--- a/Documentation/NBA Analysis Presentation.pptx
+++ b/Documentation/NBA Analysis Presentation.pptx
@@ -8,10 +8,11 @@
     <p:sldId id="256" r:id="rId2"/>
     <p:sldId id="257" r:id="rId3"/>
     <p:sldId id="258" r:id="rId4"/>
-    <p:sldId id="259" r:id="rId5"/>
-    <p:sldId id="260" r:id="rId6"/>
-    <p:sldId id="261" r:id="rId7"/>
-    <p:sldId id="262" r:id="rId8"/>
+    <p:sldId id="263" r:id="rId5"/>
+    <p:sldId id="259" r:id="rId6"/>
+    <p:sldId id="260" r:id="rId7"/>
+    <p:sldId id="261" r:id="rId8"/>
+    <p:sldId id="262" r:id="rId9"/>
   </p:sldIdLst>
   <p:sldSz cx="12192000" cy="6858000"/>
   <p:notesSz cx="6858000" cy="9144000"/>
@@ -3783,6 +3784,104 @@
 <file path=ppt/slides/slide4.xml><?xml version="1.0" encoding="utf-8"?>
 <p:sld xmlns:a="http://schemas.openxmlformats.org/drawingml/2006/main" xmlns:r="http://schemas.openxmlformats.org/officeDocument/2006/relationships" xmlns:p="http://schemas.openxmlformats.org/presentationml/2006/main">
   <p:cSld>
+    <p:spTree>
+      <p:nvGrpSpPr>
+        <p:cNvPr id="1" name=""/>
+        <p:cNvGrpSpPr/>
+        <p:nvPr/>
+      </p:nvGrpSpPr>
+      <p:grpSpPr>
+        <a:xfrm>
+          <a:off x="0" y="0"/>
+          <a:ext cx="0" cy="0"/>
+          <a:chOff x="0" y="0"/>
+          <a:chExt cx="0" cy="0"/>
+        </a:xfrm>
+      </p:grpSpPr>
+      <p:sp>
+        <p:nvSpPr>
+          <p:cNvPr id="2" name="Title 1">
+            <a:extLst>
+              <a:ext uri="{FF2B5EF4-FFF2-40B4-BE49-F238E27FC236}">
+                <a16:creationId xmlns:a16="http://schemas.microsoft.com/office/drawing/2014/main" id="{31DE3E7D-D37D-C2EE-FB72-6CB42E6542F4}"/>
+              </a:ext>
+            </a:extLst>
+          </p:cNvPr>
+          <p:cNvSpPr>
+            <a:spLocks noGrp="1"/>
+          </p:cNvSpPr>
+          <p:nvPr>
+            <p:ph type="title"/>
+          </p:nvPr>
+        </p:nvSpPr>
+        <p:spPr/>
+        <p:txBody>
+          <a:bodyPr/>
+          <a:lstStyle/>
+          <a:p>
+            <a:r>
+              <a:rPr lang="en-US" dirty="0"/>
+              <a:t>React, Recharts, &amp; MUI</a:t>
+            </a:r>
+          </a:p>
+        </p:txBody>
+      </p:sp>
+      <p:sp>
+        <p:nvSpPr>
+          <p:cNvPr id="3" name="Content Placeholder 2">
+            <a:extLst>
+              <a:ext uri="{FF2B5EF4-FFF2-40B4-BE49-F238E27FC236}">
+                <a16:creationId xmlns:a16="http://schemas.microsoft.com/office/drawing/2014/main" id="{7DBF4D12-65C6-4301-6B7F-85B11D3FC6FE}"/>
+              </a:ext>
+            </a:extLst>
+          </p:cNvPr>
+          <p:cNvSpPr>
+            <a:spLocks noGrp="1"/>
+          </p:cNvSpPr>
+          <p:nvPr>
+            <p:ph idx="1"/>
+          </p:nvPr>
+        </p:nvSpPr>
+        <p:spPr/>
+        <p:txBody>
+          <a:bodyPr/>
+          <a:lstStyle/>
+          <a:p>
+            <a:r>
+              <a:rPr lang="en-US" dirty="0"/>
+              <a:t>React is a library that allows you to create components that are reusable pieces of code like buttons, videos, and graphs that you can use to build interfaces.</a:t>
+            </a:r>
+          </a:p>
+          <a:p>
+            <a:r>
+              <a:rPr lang="en-US" dirty="0"/>
+              <a:t>Recharts is a way to use Reacts library to build out graphs</a:t>
+            </a:r>
+          </a:p>
+          <a:p>
+            <a:r>
+              <a:rPr lang="en-US" dirty="0"/>
+              <a:t>Material UI is a way to get fancy looking components like buttons, dropdown menus, and tables to use in your interface.</a:t>
+            </a:r>
+          </a:p>
+        </p:txBody>
+      </p:sp>
+    </p:spTree>
+    <p:extLst>
+      <p:ext uri="{BB962C8B-B14F-4D97-AF65-F5344CB8AC3E}">
+        <p14:creationId xmlns:p14="http://schemas.microsoft.com/office/powerpoint/2010/main" val="262908803"/>
+      </p:ext>
+    </p:extLst>
+  </p:cSld>
+  <p:clrMapOvr>
+    <a:masterClrMapping/>
+  </p:clrMapOvr>
+</p:sld>
+</file>
+
+<file path=ppt/slides/slide5.xml><?xml version="1.0" encoding="utf-8"?>
+<p:sld xmlns:a="http://schemas.openxmlformats.org/drawingml/2006/main" xmlns:r="http://schemas.openxmlformats.org/officeDocument/2006/relationships" xmlns:p="http://schemas.openxmlformats.org/presentationml/2006/main">
+  <p:cSld>
     <p:bg>
       <p:bgPr>
         <a:solidFill>
@@ -3950,7 +4049,7 @@
 </p:sld>
 </file>
 
-<file path=ppt/slides/slide5.xml><?xml version="1.0" encoding="utf-8"?>
+<file path=ppt/slides/slide6.xml><?xml version="1.0" encoding="utf-8"?>
 <p:sld xmlns:a="http://schemas.openxmlformats.org/drawingml/2006/main" xmlns:r="http://schemas.openxmlformats.org/officeDocument/2006/relationships" xmlns:p="http://schemas.openxmlformats.org/presentationml/2006/main">
   <p:cSld>
     <p:bg>
@@ -4178,7 +4277,7 @@
 </p:sld>
 </file>
 
-<file path=ppt/slides/slide6.xml><?xml version="1.0" encoding="utf-8"?>
+<file path=ppt/slides/slide7.xml><?xml version="1.0" encoding="utf-8"?>
 <p:sld xmlns:a="http://schemas.openxmlformats.org/drawingml/2006/main" xmlns:r="http://schemas.openxmlformats.org/officeDocument/2006/relationships" xmlns:p="http://schemas.openxmlformats.org/presentationml/2006/main">
   <p:cSld>
     <p:bg>
@@ -4414,7 +4513,7 @@
 </p:sld>
 </file>
 
-<file path=ppt/slides/slide7.xml><?xml version="1.0" encoding="utf-8"?>
+<file path=ppt/slides/slide8.xml><?xml version="1.0" encoding="utf-8"?>
 <p:sld xmlns:a="http://schemas.openxmlformats.org/drawingml/2006/main" xmlns:r="http://schemas.openxmlformats.org/officeDocument/2006/relationships" xmlns:p="http://schemas.openxmlformats.org/presentationml/2006/main">
   <p:cSld>
     <p:spTree>

--- a/Documentation/NBA Analysis Presentation.pptx
+++ b/Documentation/NBA Analysis Presentation.pptx
@@ -9,10 +9,11 @@
     <p:sldId id="257" r:id="rId3"/>
     <p:sldId id="258" r:id="rId4"/>
     <p:sldId id="263" r:id="rId5"/>
-    <p:sldId id="259" r:id="rId6"/>
-    <p:sldId id="260" r:id="rId7"/>
-    <p:sldId id="261" r:id="rId8"/>
-    <p:sldId id="262" r:id="rId9"/>
+    <p:sldId id="264" r:id="rId6"/>
+    <p:sldId id="259" r:id="rId7"/>
+    <p:sldId id="260" r:id="rId8"/>
+    <p:sldId id="261" r:id="rId9"/>
+    <p:sldId id="262" r:id="rId10"/>
   </p:sldIdLst>
   <p:sldSz cx="12192000" cy="6858000"/>
   <p:notesSz cx="6858000" cy="9144000"/>
@@ -3743,7 +3744,7 @@
           <a:p>
             <a:r>
               <a:rPr lang="en-US" dirty="0"/>
-              <a:t>NBA data is publicly available</a:t>
+              <a:t>NBA data is publicly available.</a:t>
             </a:r>
           </a:p>
           <a:p>
@@ -3814,7 +3815,12 @@
             <p:ph type="title"/>
           </p:nvPr>
         </p:nvSpPr>
-        <p:spPr/>
+        <p:spPr>
+          <a:xfrm>
+            <a:off x="894837" y="2858251"/>
+            <a:ext cx="4486656" cy="1141497"/>
+          </a:xfrm>
+        </p:spPr>
         <p:txBody>
           <a:bodyPr/>
           <a:lstStyle/>
@@ -3842,7 +3848,12 @@
             <p:ph idx="1"/>
           </p:nvPr>
         </p:nvSpPr>
-        <p:spPr/>
+        <p:spPr>
+          <a:xfrm>
+            <a:off x="6810508" y="1848364"/>
+            <a:ext cx="4815840" cy="3161272"/>
+          </a:xfrm>
+        </p:spPr>
         <p:txBody>
           <a:bodyPr/>
           <a:lstStyle/>
@@ -3855,7 +3866,7 @@
           <a:p>
             <a:r>
               <a:rPr lang="en-US" dirty="0"/>
-              <a:t>Recharts is a way to use Reacts library to build out graphs</a:t>
+              <a:t>Recharts is a way to use Reacts library to build out graphs.</a:t>
             </a:r>
           </a:p>
           <a:p>
@@ -3880,6 +3891,104 @@
 </file>
 
 <file path=ppt/slides/slide5.xml><?xml version="1.0" encoding="utf-8"?>
+<p:sld xmlns:a="http://schemas.openxmlformats.org/drawingml/2006/main" xmlns:r="http://schemas.openxmlformats.org/officeDocument/2006/relationships" xmlns:p="http://schemas.openxmlformats.org/presentationml/2006/main">
+  <p:cSld>
+    <p:spTree>
+      <p:nvGrpSpPr>
+        <p:cNvPr id="1" name=""/>
+        <p:cNvGrpSpPr/>
+        <p:nvPr/>
+      </p:nvGrpSpPr>
+      <p:grpSpPr>
+        <a:xfrm>
+          <a:off x="0" y="0"/>
+          <a:ext cx="0" cy="0"/>
+          <a:chOff x="0" y="0"/>
+          <a:chExt cx="0" cy="0"/>
+        </a:xfrm>
+      </p:grpSpPr>
+      <p:sp>
+        <p:nvSpPr>
+          <p:cNvPr id="2" name="Title 1">
+            <a:extLst>
+              <a:ext uri="{FF2B5EF4-FFF2-40B4-BE49-F238E27FC236}">
+                <a16:creationId xmlns:a16="http://schemas.microsoft.com/office/drawing/2014/main" id="{06ED8CA9-DBAD-0486-6FA9-8FB688B049D2}"/>
+              </a:ext>
+            </a:extLst>
+          </p:cNvPr>
+          <p:cNvSpPr>
+            <a:spLocks noGrp="1"/>
+          </p:cNvSpPr>
+          <p:nvPr>
+            <p:ph type="title"/>
+          </p:nvPr>
+        </p:nvSpPr>
+        <p:spPr/>
+        <p:txBody>
+          <a:bodyPr/>
+          <a:lstStyle/>
+          <a:p>
+            <a:r>
+              <a:rPr lang="en-US" dirty="0"/>
+              <a:t>Data Cleaning &amp; Storage</a:t>
+            </a:r>
+          </a:p>
+        </p:txBody>
+      </p:sp>
+      <p:sp>
+        <p:nvSpPr>
+          <p:cNvPr id="3" name="Content Placeholder 2">
+            <a:extLst>
+              <a:ext uri="{FF2B5EF4-FFF2-40B4-BE49-F238E27FC236}">
+                <a16:creationId xmlns:a16="http://schemas.microsoft.com/office/drawing/2014/main" id="{217C3A63-0382-70BF-B1EB-BAF46319AAF0}"/>
+              </a:ext>
+            </a:extLst>
+          </p:cNvPr>
+          <p:cNvSpPr>
+            <a:spLocks noGrp="1"/>
+          </p:cNvSpPr>
+          <p:nvPr>
+            <p:ph idx="1"/>
+          </p:nvPr>
+        </p:nvSpPr>
+        <p:spPr/>
+        <p:txBody>
+          <a:bodyPr/>
+          <a:lstStyle/>
+          <a:p>
+            <a:r>
+              <a:rPr lang="en-US" dirty="0"/>
+              <a:t>The CSVs were imported into a Python file for cleaning.</a:t>
+            </a:r>
+          </a:p>
+          <a:p>
+            <a:r>
+              <a:rPr lang="en-US" dirty="0"/>
+              <a:t>Dropped unnecessary columns, formatted columns, etc.</a:t>
+            </a:r>
+          </a:p>
+          <a:p>
+            <a:r>
+              <a:rPr lang="en-US" dirty="0"/>
+              <a:t>Data was exported into JSONs and added into MongoDB to be stored.</a:t>
+            </a:r>
+          </a:p>
+        </p:txBody>
+      </p:sp>
+    </p:spTree>
+    <p:extLst>
+      <p:ext uri="{BB962C8B-B14F-4D97-AF65-F5344CB8AC3E}">
+        <p14:creationId xmlns:p14="http://schemas.microsoft.com/office/powerpoint/2010/main" val="18149961"/>
+      </p:ext>
+    </p:extLst>
+  </p:cSld>
+  <p:clrMapOvr>
+    <a:masterClrMapping/>
+  </p:clrMapOvr>
+</p:sld>
+</file>
+
+<file path=ppt/slides/slide6.xml><?xml version="1.0" encoding="utf-8"?>
 <p:sld xmlns:a="http://schemas.openxmlformats.org/drawingml/2006/main" xmlns:r="http://schemas.openxmlformats.org/officeDocument/2006/relationships" xmlns:p="http://schemas.openxmlformats.org/presentationml/2006/main">
   <p:cSld>
     <p:bg>
@@ -4049,7 +4158,7 @@
 </p:sld>
 </file>
 
-<file path=ppt/slides/slide6.xml><?xml version="1.0" encoding="utf-8"?>
+<file path=ppt/slides/slide7.xml><?xml version="1.0" encoding="utf-8"?>
 <p:sld xmlns:a="http://schemas.openxmlformats.org/drawingml/2006/main" xmlns:r="http://schemas.openxmlformats.org/officeDocument/2006/relationships" xmlns:p="http://schemas.openxmlformats.org/presentationml/2006/main">
   <p:cSld>
     <p:bg>
@@ -4277,7 +4386,7 @@
 </p:sld>
 </file>
 
-<file path=ppt/slides/slide7.xml><?xml version="1.0" encoding="utf-8"?>
+<file path=ppt/slides/slide8.xml><?xml version="1.0" encoding="utf-8"?>
 <p:sld xmlns:a="http://schemas.openxmlformats.org/drawingml/2006/main" xmlns:r="http://schemas.openxmlformats.org/officeDocument/2006/relationships" xmlns:p="http://schemas.openxmlformats.org/presentationml/2006/main">
   <p:cSld>
     <p:bg>
@@ -4513,7 +4622,7 @@
 </p:sld>
 </file>
 
-<file path=ppt/slides/slide8.xml><?xml version="1.0" encoding="utf-8"?>
+<file path=ppt/slides/slide9.xml><?xml version="1.0" encoding="utf-8"?>
 <p:sld xmlns:a="http://schemas.openxmlformats.org/drawingml/2006/main" xmlns:r="http://schemas.openxmlformats.org/officeDocument/2006/relationships" xmlns:p="http://schemas.openxmlformats.org/presentationml/2006/main">
   <p:cSld>
     <p:spTree>

--- a/Documentation/NBA Analysis Presentation.pptx
+++ b/Documentation/NBA Analysis Presentation.pptx
@@ -8,8 +8,8 @@
     <p:sldId id="256" r:id="rId2"/>
     <p:sldId id="257" r:id="rId3"/>
     <p:sldId id="258" r:id="rId4"/>
-    <p:sldId id="263" r:id="rId5"/>
-    <p:sldId id="264" r:id="rId6"/>
+    <p:sldId id="264" r:id="rId5"/>
+    <p:sldId id="263" r:id="rId6"/>
     <p:sldId id="259" r:id="rId7"/>
     <p:sldId id="260" r:id="rId8"/>
     <p:sldId id="261" r:id="rId9"/>
@@ -3785,6 +3785,14 @@
 <file path=ppt/slides/slide4.xml><?xml version="1.0" encoding="utf-8"?>
 <p:sld xmlns:a="http://schemas.openxmlformats.org/drawingml/2006/main" xmlns:r="http://schemas.openxmlformats.org/officeDocument/2006/relationships" xmlns:p="http://schemas.openxmlformats.org/presentationml/2006/main">
   <p:cSld>
+    <p:bg>
+      <p:bgPr>
+        <a:solidFill>
+          <a:schemeClr val="bg1"/>
+        </a:solidFill>
+        <a:effectLst/>
+      </p:bgPr>
+    </p:bg>
     <p:spTree>
       <p:nvGrpSpPr>
         <p:cNvPr id="1" name=""/>
@@ -3801,10 +3809,200 @@
       </p:grpSpPr>
       <p:sp>
         <p:nvSpPr>
+          <p:cNvPr id="8" name="Rectangle 7">
+            <a:extLst>
+              <a:ext uri="{FF2B5EF4-FFF2-40B4-BE49-F238E27FC236}">
+                <a16:creationId xmlns:a16="http://schemas.microsoft.com/office/drawing/2014/main" id="{C33976D1-3430-450C-A978-87A9A6E8E71F}"/>
+              </a:ext>
+              <a:ext uri="{C183D7F6-B498-43B3-948B-1728B52AA6E4}">
+                <adec:decorative xmlns:adec="http://schemas.microsoft.com/office/drawing/2017/decorative" val="1"/>
+              </a:ext>
+            </a:extLst>
+          </p:cNvPr>
+          <p:cNvSpPr>
+            <a:spLocks noGrp="1" noRot="1" noChangeAspect="1" noMove="1" noResize="1" noEditPoints="1" noAdjustHandles="1" noChangeArrowheads="1" noChangeShapeType="1" noTextEdit="1"/>
+          </p:cNvSpPr>
+          <p:nvPr>
+            <p:extLst>
+              <p:ext uri="{386F3935-93C4-4BCD-93E2-E3B085C9AB24}">
+                <p16:designElem xmlns:p16="http://schemas.microsoft.com/office/powerpoint/2015/main" val="1"/>
+              </p:ext>
+            </p:extLst>
+          </p:nvPr>
+        </p:nvSpPr>
+        <p:spPr>
+          <a:xfrm>
+            <a:off x="0" y="0"/>
+            <a:ext cx="12192000" cy="6858000"/>
+          </a:xfrm>
+          <a:prstGeom prst="rect">
+            <a:avLst/>
+          </a:prstGeom>
+          <a:solidFill>
+            <a:schemeClr val="accent2"/>
+          </a:solidFill>
+          <a:ln>
+            <a:noFill/>
+          </a:ln>
+        </p:spPr>
+        <p:style>
+          <a:lnRef idx="2">
+            <a:schemeClr val="accent1">
+              <a:shade val="50000"/>
+            </a:schemeClr>
+          </a:lnRef>
+          <a:fillRef idx="1">
+            <a:schemeClr val="accent1"/>
+          </a:fillRef>
+          <a:effectRef idx="0">
+            <a:schemeClr val="accent1"/>
+          </a:effectRef>
+          <a:fontRef idx="minor">
+            <a:schemeClr val="lt1"/>
+          </a:fontRef>
+        </p:style>
+        <p:txBody>
+          <a:bodyPr rtlCol="0" anchor="ctr"/>
+          <a:lstStyle/>
+          <a:p>
+            <a:pPr algn="ctr"/>
+            <a:endParaRPr lang="en-US"/>
+          </a:p>
+        </p:txBody>
+      </p:sp>
+      <p:sp>
+        <p:nvSpPr>
+          <p:cNvPr id="10" name="Rectangle 9">
+            <a:extLst>
+              <a:ext uri="{FF2B5EF4-FFF2-40B4-BE49-F238E27FC236}">
+                <a16:creationId xmlns:a16="http://schemas.microsoft.com/office/drawing/2014/main" id="{7D6AAC78-7D86-415A-ADC1-2B474807960C}"/>
+              </a:ext>
+              <a:ext uri="{C183D7F6-B498-43B3-948B-1728B52AA6E4}">
+                <adec:decorative xmlns:adec="http://schemas.microsoft.com/office/drawing/2017/decorative" val="1"/>
+              </a:ext>
+            </a:extLst>
+          </p:cNvPr>
+          <p:cNvSpPr>
+            <a:spLocks noGrp="1" noRot="1" noChangeAspect="1" noMove="1" noResize="1" noEditPoints="1" noAdjustHandles="1" noChangeArrowheads="1" noChangeShapeType="1" noTextEdit="1"/>
+          </p:cNvSpPr>
+          <p:nvPr>
+            <p:extLst>
+              <p:ext uri="{386F3935-93C4-4BCD-93E2-E3B085C9AB24}">
+                <p16:designElem xmlns:p16="http://schemas.microsoft.com/office/powerpoint/2015/main" val="1"/>
+              </p:ext>
+            </p:extLst>
+          </p:nvPr>
+        </p:nvSpPr>
+        <p:spPr>
+          <a:xfrm>
+            <a:off x="1249680" y="1248156"/>
+            <a:ext cx="9692640" cy="4361688"/>
+          </a:xfrm>
+          <a:prstGeom prst="rect">
+            <a:avLst/>
+          </a:prstGeom>
+          <a:solidFill>
+            <a:srgbClr val="FFFFFF"/>
+          </a:solidFill>
+          <a:ln>
+            <a:noFill/>
+          </a:ln>
+        </p:spPr>
+        <p:style>
+          <a:lnRef idx="2">
+            <a:schemeClr val="accent1">
+              <a:shade val="50000"/>
+            </a:schemeClr>
+          </a:lnRef>
+          <a:fillRef idx="1">
+            <a:schemeClr val="accent1"/>
+          </a:fillRef>
+          <a:effectRef idx="0">
+            <a:schemeClr val="accent1"/>
+          </a:effectRef>
+          <a:fontRef idx="minor">
+            <a:schemeClr val="lt1"/>
+          </a:fontRef>
+        </p:style>
+        <p:txBody>
+          <a:bodyPr rtlCol="0" anchor="ctr"/>
+          <a:lstStyle/>
+          <a:p>
+            <a:pPr algn="ctr"/>
+            <a:endParaRPr lang="en-US"/>
+          </a:p>
+        </p:txBody>
+      </p:sp>
+      <p:sp>
+        <p:nvSpPr>
+          <p:cNvPr id="12" name="Rectangle 11">
+            <a:extLst>
+              <a:ext uri="{FF2B5EF4-FFF2-40B4-BE49-F238E27FC236}">
+                <a16:creationId xmlns:a16="http://schemas.microsoft.com/office/drawing/2014/main" id="{F2A658D9-F185-44F1-BA33-D50320D1D078}"/>
+              </a:ext>
+              <a:ext uri="{C183D7F6-B498-43B3-948B-1728B52AA6E4}">
+                <adec:decorative xmlns:adec="http://schemas.microsoft.com/office/drawing/2017/decorative" val="1"/>
+              </a:ext>
+            </a:extLst>
+          </p:cNvPr>
+          <p:cNvSpPr>
+            <a:spLocks noGrp="1" noRot="1" noChangeAspect="1" noMove="1" noResize="1" noEditPoints="1" noAdjustHandles="1" noChangeArrowheads="1" noChangeShapeType="1" noTextEdit="1"/>
+          </p:cNvSpPr>
+          <p:nvPr>
+            <p:extLst>
+              <p:ext uri="{386F3935-93C4-4BCD-93E2-E3B085C9AB24}">
+                <p16:designElem xmlns:p16="http://schemas.microsoft.com/office/powerpoint/2015/main" val="1"/>
+              </p:ext>
+            </p:extLst>
+          </p:nvPr>
+        </p:nvSpPr>
+        <p:spPr>
+          <a:xfrm>
+            <a:off x="1062228" y="1060704"/>
+            <a:ext cx="10067544" cy="4736592"/>
+          </a:xfrm>
+          <a:prstGeom prst="rect">
+            <a:avLst/>
+          </a:prstGeom>
+          <a:noFill/>
+          <a:ln w="31750" cap="sq">
+            <a:solidFill>
+              <a:srgbClr val="FFFFFF"/>
+            </a:solidFill>
+            <a:miter lim="800000"/>
+          </a:ln>
+        </p:spPr>
+        <p:style>
+          <a:lnRef idx="2">
+            <a:schemeClr val="accent1">
+              <a:shade val="50000"/>
+            </a:schemeClr>
+          </a:lnRef>
+          <a:fillRef idx="1">
+            <a:schemeClr val="accent1"/>
+          </a:fillRef>
+          <a:effectRef idx="0">
+            <a:schemeClr val="accent1"/>
+          </a:effectRef>
+          <a:fontRef idx="minor">
+            <a:schemeClr val="lt1"/>
+          </a:fontRef>
+        </p:style>
+        <p:txBody>
+          <a:bodyPr rtlCol="0" anchor="ctr"/>
+          <a:lstStyle/>
+          <a:p>
+            <a:pPr algn="ctr"/>
+            <a:endParaRPr lang="en-US"/>
+          </a:p>
+        </p:txBody>
+      </p:sp>
+      <p:sp>
+        <p:nvSpPr>
           <p:cNvPr id="2" name="Title 1">
             <a:extLst>
               <a:ext uri="{FF2B5EF4-FFF2-40B4-BE49-F238E27FC236}">
-                <a16:creationId xmlns:a16="http://schemas.microsoft.com/office/drawing/2014/main" id="{31DE3E7D-D37D-C2EE-FB72-6CB42E6542F4}"/>
+                <a16:creationId xmlns:a16="http://schemas.microsoft.com/office/drawing/2014/main" id="{06ED8CA9-DBAD-0486-6FA9-8FB688B049D2}"/>
               </a:ext>
             </a:extLst>
           </p:cNvPr>
@@ -3817,17 +4015,29 @@
         </p:nvSpPr>
         <p:spPr>
           <a:xfrm>
-            <a:off x="894837" y="2858251"/>
-            <a:ext cx="4486656" cy="1141497"/>
+            <a:off x="2231136" y="467418"/>
+            <a:ext cx="7729728" cy="1188720"/>
           </a:xfrm>
+          <a:solidFill>
+            <a:srgbClr val="FFFFFF"/>
+          </a:solidFill>
         </p:spPr>
         <p:txBody>
-          <a:bodyPr/>
-          <a:lstStyle/>
-          <a:p>
-            <a:r>
-              <a:rPr lang="en-US" dirty="0"/>
-              <a:t>React, Recharts, &amp; MUI</a:t>
+          <a:bodyPr vert="horz" lIns="182880" tIns="182880" rIns="182880" bIns="182880" rtlCol="0" anchor="ctr">
+            <a:normAutofit/>
+          </a:bodyPr>
+          <a:lstStyle/>
+          <a:p>
+            <a:r>
+              <a:rPr lang="en-US" sz="2800" kern="1200" cap="all" spc="200" baseline="0" dirty="0">
+                <a:solidFill>
+                  <a:srgbClr val="262626"/>
+                </a:solidFill>
+                <a:latin typeface="+mj-lt"/>
+                <a:ea typeface="+mj-ea"/>
+                <a:cs typeface="+mj-cs"/>
+              </a:rPr>
+              <a:t>Data Cleaning &amp; Storage</a:t>
             </a:r>
           </a:p>
         </p:txBody>
@@ -3837,7 +4047,7 @@
           <p:cNvPr id="3" name="Content Placeholder 2">
             <a:extLst>
               <a:ext uri="{FF2B5EF4-FFF2-40B4-BE49-F238E27FC236}">
-                <a16:creationId xmlns:a16="http://schemas.microsoft.com/office/drawing/2014/main" id="{7DBF4D12-65C6-4301-6B7F-85B11D3FC6FE}"/>
+                <a16:creationId xmlns:a16="http://schemas.microsoft.com/office/drawing/2014/main" id="{217C3A63-0382-70BF-B1EB-BAF46319AAF0}"/>
               </a:ext>
             </a:extLst>
           </p:cNvPr>
@@ -3850,29 +4060,43 @@
         </p:nvSpPr>
         <p:spPr>
           <a:xfrm>
-            <a:off x="6810508" y="1848364"/>
-            <a:ext cx="4815840" cy="3161272"/>
+            <a:off x="1706062" y="2291262"/>
+            <a:ext cx="8779512" cy="2879256"/>
           </a:xfrm>
         </p:spPr>
         <p:txBody>
-          <a:bodyPr/>
-          <a:lstStyle/>
-          <a:p>
-            <a:r>
-              <a:rPr lang="en-US" dirty="0"/>
-              <a:t>React is a library that allows you to create components that are reusable pieces of code like buttons, videos, and graphs that you can use to build interfaces.</a:t>
-            </a:r>
-          </a:p>
-          <a:p>
-            <a:r>
-              <a:rPr lang="en-US" dirty="0"/>
-              <a:t>Recharts is a way to use Reacts library to build out graphs.</a:t>
-            </a:r>
-          </a:p>
-          <a:p>
-            <a:r>
-              <a:rPr lang="en-US" dirty="0"/>
-              <a:t>Material UI is a way to get fancy looking components like buttons, dropdown menus, and tables to use in your interface.</a:t>
+          <a:bodyPr vert="horz" lIns="91440" tIns="45720" rIns="91440" bIns="45720" rtlCol="0">
+            <a:normAutofit/>
+          </a:bodyPr>
+          <a:lstStyle/>
+          <a:p>
+            <a:r>
+              <a:rPr lang="en-US">
+                <a:solidFill>
+                  <a:srgbClr val="404040"/>
+                </a:solidFill>
+              </a:rPr>
+              <a:t>The CSVs were imported into a Python file for cleaning.</a:t>
+            </a:r>
+          </a:p>
+          <a:p>
+            <a:r>
+              <a:rPr lang="en-US">
+                <a:solidFill>
+                  <a:srgbClr val="404040"/>
+                </a:solidFill>
+              </a:rPr>
+              <a:t>Dropped unnecessary columns, formatted columns, etc.</a:t>
+            </a:r>
+          </a:p>
+          <a:p>
+            <a:r>
+              <a:rPr lang="en-US">
+                <a:solidFill>
+                  <a:srgbClr val="404040"/>
+                </a:solidFill>
+              </a:rPr>
+              <a:t>Data was exported into JSONs and added into MongoDB to be stored.</a:t>
             </a:r>
           </a:p>
         </p:txBody>
@@ -3880,7 +4104,7 @@
     </p:spTree>
     <p:extLst>
       <p:ext uri="{BB962C8B-B14F-4D97-AF65-F5344CB8AC3E}">
-        <p14:creationId xmlns:p14="http://schemas.microsoft.com/office/powerpoint/2010/main" val="262908803"/>
+        <p14:creationId xmlns:p14="http://schemas.microsoft.com/office/powerpoint/2010/main" val="18149961"/>
       </p:ext>
     </p:extLst>
   </p:cSld>
@@ -3893,6 +4117,14 @@
 <file path=ppt/slides/slide5.xml><?xml version="1.0" encoding="utf-8"?>
 <p:sld xmlns:a="http://schemas.openxmlformats.org/drawingml/2006/main" xmlns:r="http://schemas.openxmlformats.org/officeDocument/2006/relationships" xmlns:p="http://schemas.openxmlformats.org/presentationml/2006/main">
   <p:cSld>
+    <p:bg>
+      <p:bgPr>
+        <a:solidFill>
+          <a:schemeClr val="bg1"/>
+        </a:solidFill>
+        <a:effectLst/>
+      </p:bgPr>
+    </p:bg>
     <p:spTree>
       <p:nvGrpSpPr>
         <p:cNvPr id="1" name=""/>
@@ -3909,10 +4141,200 @@
       </p:grpSpPr>
       <p:sp>
         <p:nvSpPr>
+          <p:cNvPr id="8" name="Rectangle 7">
+            <a:extLst>
+              <a:ext uri="{FF2B5EF4-FFF2-40B4-BE49-F238E27FC236}">
+                <a16:creationId xmlns:a16="http://schemas.microsoft.com/office/drawing/2014/main" id="{2AEFFFF2-9EB4-4B6C-B9F8-2BA3EF89A21C}"/>
+              </a:ext>
+              <a:ext uri="{C183D7F6-B498-43B3-948B-1728B52AA6E4}">
+                <adec:decorative xmlns:adec="http://schemas.microsoft.com/office/drawing/2017/decorative" val="1"/>
+              </a:ext>
+            </a:extLst>
+          </p:cNvPr>
+          <p:cNvSpPr>
+            <a:spLocks noGrp="1" noRot="1" noChangeAspect="1" noMove="1" noResize="1" noEditPoints="1" noAdjustHandles="1" noChangeArrowheads="1" noChangeShapeType="1" noTextEdit="1"/>
+          </p:cNvSpPr>
+          <p:nvPr>
+            <p:extLst>
+              <p:ext uri="{386F3935-93C4-4BCD-93E2-E3B085C9AB24}">
+                <p16:designElem xmlns:p16="http://schemas.microsoft.com/office/powerpoint/2015/main" val="1"/>
+              </p:ext>
+            </p:extLst>
+          </p:nvPr>
+        </p:nvSpPr>
+        <p:spPr>
+          <a:xfrm>
+            <a:off x="1" y="0"/>
+            <a:ext cx="3070172" cy="6858000"/>
+          </a:xfrm>
+          <a:prstGeom prst="rect">
+            <a:avLst/>
+          </a:prstGeom>
+          <a:solidFill>
+            <a:schemeClr val="tx2"/>
+          </a:solidFill>
+          <a:ln>
+            <a:noFill/>
+          </a:ln>
+        </p:spPr>
+        <p:style>
+          <a:lnRef idx="2">
+            <a:schemeClr val="accent1">
+              <a:shade val="50000"/>
+            </a:schemeClr>
+          </a:lnRef>
+          <a:fillRef idx="1">
+            <a:schemeClr val="accent1"/>
+          </a:fillRef>
+          <a:effectRef idx="0">
+            <a:schemeClr val="accent1"/>
+          </a:effectRef>
+          <a:fontRef idx="minor">
+            <a:schemeClr val="lt1"/>
+          </a:fontRef>
+        </p:style>
+        <p:txBody>
+          <a:bodyPr rtlCol="0" anchor="ctr"/>
+          <a:lstStyle/>
+          <a:p>
+            <a:pPr algn="ctr"/>
+            <a:endParaRPr lang="en-US"/>
+          </a:p>
+        </p:txBody>
+      </p:sp>
+      <p:sp useBgFill="1">
+        <p:nvSpPr>
+          <p:cNvPr id="10" name="Rectangle 9">
+            <a:extLst>
+              <a:ext uri="{FF2B5EF4-FFF2-40B4-BE49-F238E27FC236}">
+                <a16:creationId xmlns:a16="http://schemas.microsoft.com/office/drawing/2014/main" id="{0D65299F-028F-4AFC-B46A-8DB33E20FE4A}"/>
+              </a:ext>
+              <a:ext uri="{C183D7F6-B498-43B3-948B-1728B52AA6E4}">
+                <adec:decorative xmlns:adec="http://schemas.microsoft.com/office/drawing/2017/decorative" val="1"/>
+              </a:ext>
+            </a:extLst>
+          </p:cNvPr>
+          <p:cNvSpPr>
+            <a:spLocks noGrp="1" noRot="1" noChangeAspect="1" noMove="1" noResize="1" noEditPoints="1" noAdjustHandles="1" noChangeArrowheads="1" noChangeShapeType="1" noTextEdit="1"/>
+          </p:cNvSpPr>
+          <p:nvPr>
+            <p:extLst>
+              <p:ext uri="{386F3935-93C4-4BCD-93E2-E3B085C9AB24}">
+                <p16:designElem xmlns:p16="http://schemas.microsoft.com/office/powerpoint/2015/main" val="1"/>
+              </p:ext>
+            </p:extLst>
+          </p:nvPr>
+        </p:nvSpPr>
+        <p:spPr>
+          <a:xfrm>
+            <a:off x="3070172" y="0"/>
+            <a:ext cx="9121828" cy="6858000"/>
+          </a:xfrm>
+          <a:prstGeom prst="rect">
+            <a:avLst/>
+          </a:prstGeom>
+          <a:ln>
+            <a:noFill/>
+          </a:ln>
+        </p:spPr>
+        <p:style>
+          <a:lnRef idx="2">
+            <a:schemeClr val="accent1">
+              <a:shade val="50000"/>
+            </a:schemeClr>
+          </a:lnRef>
+          <a:fillRef idx="1">
+            <a:schemeClr val="accent1"/>
+          </a:fillRef>
+          <a:effectRef idx="0">
+            <a:schemeClr val="accent1"/>
+          </a:effectRef>
+          <a:fontRef idx="minor">
+            <a:schemeClr val="lt1"/>
+          </a:fontRef>
+        </p:style>
+        <p:txBody>
+          <a:bodyPr rtlCol="0" anchor="ctr"/>
+          <a:lstStyle/>
+          <a:p>
+            <a:pPr algn="ctr"/>
+            <a:endParaRPr lang="en-US"/>
+          </a:p>
+        </p:txBody>
+      </p:sp>
+      <p:sp>
+        <p:nvSpPr>
+          <p:cNvPr id="12" name="Oval 11">
+            <a:extLst>
+              <a:ext uri="{FF2B5EF4-FFF2-40B4-BE49-F238E27FC236}">
+                <a16:creationId xmlns:a16="http://schemas.microsoft.com/office/drawing/2014/main" id="{BAC87F6E-526A-49B5-995D-42DB656594C9}"/>
+              </a:ext>
+              <a:ext uri="{C183D7F6-B498-43B3-948B-1728B52AA6E4}">
+                <adec:decorative xmlns:adec="http://schemas.microsoft.com/office/drawing/2017/decorative" val="1"/>
+              </a:ext>
+            </a:extLst>
+          </p:cNvPr>
+          <p:cNvSpPr>
+            <a:spLocks noGrp="1" noRot="1" noChangeAspect="1" noMove="1" noResize="1" noEditPoints="1" noAdjustHandles="1" noChangeArrowheads="1" noChangeShapeType="1" noTextEdit="1"/>
+          </p:cNvSpPr>
+          <p:nvPr>
+            <p:extLst>
+              <p:ext uri="{386F3935-93C4-4BCD-93E2-E3B085C9AB24}">
+                <p16:designElem xmlns:p16="http://schemas.microsoft.com/office/powerpoint/2015/main" val="1"/>
+              </p:ext>
+            </p:extLst>
+          </p:nvPr>
+        </p:nvSpPr>
+        <p:spPr>
+          <a:xfrm>
+            <a:off x="1117423" y="1443035"/>
+            <a:ext cx="3971932" cy="3971930"/>
+          </a:xfrm>
+          <a:prstGeom prst="ellipse">
+            <a:avLst/>
+          </a:prstGeom>
+          <a:solidFill>
+            <a:srgbClr val="FFFFFF"/>
+          </a:solidFill>
+          <a:ln w="31750">
+            <a:solidFill>
+              <a:schemeClr val="accent2">
+                <a:lumMod val="75000"/>
+              </a:schemeClr>
+            </a:solidFill>
+          </a:ln>
+        </p:spPr>
+        <p:style>
+          <a:lnRef idx="2">
+            <a:schemeClr val="accent1">
+              <a:shade val="50000"/>
+            </a:schemeClr>
+          </a:lnRef>
+          <a:fillRef idx="1">
+            <a:schemeClr val="accent1"/>
+          </a:fillRef>
+          <a:effectRef idx="0">
+            <a:schemeClr val="accent1"/>
+          </a:effectRef>
+          <a:fontRef idx="minor">
+            <a:schemeClr val="lt1"/>
+          </a:fontRef>
+        </p:style>
+        <p:txBody>
+          <a:bodyPr rtlCol="0" anchor="ctr"/>
+          <a:lstStyle/>
+          <a:p>
+            <a:pPr algn="ctr"/>
+            <a:endParaRPr lang="en-US"/>
+          </a:p>
+        </p:txBody>
+      </p:sp>
+      <p:sp>
+        <p:nvSpPr>
           <p:cNvPr id="2" name="Title 1">
             <a:extLst>
               <a:ext uri="{FF2B5EF4-FFF2-40B4-BE49-F238E27FC236}">
-                <a16:creationId xmlns:a16="http://schemas.microsoft.com/office/drawing/2014/main" id="{06ED8CA9-DBAD-0486-6FA9-8FB688B049D2}"/>
+                <a16:creationId xmlns:a16="http://schemas.microsoft.com/office/drawing/2014/main" id="{31DE3E7D-D37D-C2EE-FB72-6CB42E6542F4}"/>
               </a:ext>
             </a:extLst>
           </p:cNvPr>
@@ -3923,14 +4345,39 @@
             <p:ph type="title"/>
           </p:nvPr>
         </p:nvSpPr>
-        <p:spPr/>
-        <p:txBody>
-          <a:bodyPr/>
-          <a:lstStyle/>
-          <a:p>
-            <a:r>
-              <a:rPr lang="en-US" dirty="0"/>
-              <a:t>Data Cleaning &amp; Storage</a:t>
+        <p:spPr>
+          <a:xfrm>
+            <a:off x="1260873" y="1586484"/>
+            <a:ext cx="3685032" cy="3685032"/>
+          </a:xfrm>
+          <a:prstGeom prst="ellipse">
+            <a:avLst/>
+          </a:prstGeom>
+          <a:solidFill>
+            <a:schemeClr val="accent2">
+              <a:lumMod val="75000"/>
+            </a:schemeClr>
+          </a:solidFill>
+          <a:ln>
+            <a:noFill/>
+          </a:ln>
+        </p:spPr>
+        <p:txBody>
+          <a:bodyPr vert="horz" lIns="182880" tIns="182880" rIns="182880" bIns="182880" rtlCol="0" anchor="ctr">
+            <a:normAutofit/>
+          </a:bodyPr>
+          <a:lstStyle/>
+          <a:p>
+            <a:r>
+              <a:rPr lang="en-US" sz="3000" kern="1200" cap="all" spc="200" baseline="0">
+                <a:solidFill>
+                  <a:srgbClr val="FFFFFF"/>
+                </a:solidFill>
+                <a:latin typeface="+mj-lt"/>
+                <a:ea typeface="+mj-ea"/>
+                <a:cs typeface="+mj-cs"/>
+              </a:rPr>
+              <a:t>React, Recharts, &amp; MUI</a:t>
             </a:r>
           </a:p>
         </p:txBody>
@@ -3940,7 +4387,7 @@
           <p:cNvPr id="3" name="Content Placeholder 2">
             <a:extLst>
               <a:ext uri="{FF2B5EF4-FFF2-40B4-BE49-F238E27FC236}">
-                <a16:creationId xmlns:a16="http://schemas.microsoft.com/office/drawing/2014/main" id="{217C3A63-0382-70BF-B1EB-BAF46319AAF0}"/>
+                <a16:creationId xmlns:a16="http://schemas.microsoft.com/office/drawing/2014/main" id="{7DBF4D12-65C6-4301-6B7F-85B11D3FC6FE}"/>
               </a:ext>
             </a:extLst>
           </p:cNvPr>
@@ -3951,26 +4398,67 @@
             <p:ph idx="1"/>
           </p:nvPr>
         </p:nvSpPr>
-        <p:spPr/>
-        <p:txBody>
-          <a:bodyPr/>
-          <a:lstStyle/>
-          <a:p>
-            <a:r>
-              <a:rPr lang="en-US" dirty="0"/>
-              <a:t>The CSVs were imported into a Python file for cleaning.</a:t>
-            </a:r>
-          </a:p>
-          <a:p>
-            <a:r>
-              <a:rPr lang="en-US" dirty="0"/>
-              <a:t>Dropped unnecessary columns, formatted columns, etc.</a:t>
-            </a:r>
-          </a:p>
-          <a:p>
-            <a:r>
-              <a:rPr lang="en-US" dirty="0"/>
-              <a:t>Data was exported into JSONs and added into MongoDB to be stored.</a:t>
+        <p:spPr>
+          <a:xfrm>
+            <a:off x="5591695" y="1402080"/>
+            <a:ext cx="5320696" cy="4053840"/>
+          </a:xfrm>
+        </p:spPr>
+        <p:txBody>
+          <a:bodyPr vert="horz" lIns="91440" tIns="45720" rIns="91440" bIns="45720" rtlCol="0" anchor="ctr">
+            <a:normAutofit/>
+          </a:bodyPr>
+          <a:lstStyle/>
+          <a:p>
+            <a:r>
+              <a:rPr lang="en-US">
+                <a:solidFill>
+                  <a:schemeClr val="tx1">
+                    <a:lumMod val="85000"/>
+                    <a:lumOff val="15000"/>
+                  </a:schemeClr>
+                </a:solidFill>
+              </a:rPr>
+              <a:t>React is a library that allows you to create components that are reusable pieces of code like buttons, videos, and graphs that you can use to build interfaces.</a:t>
+            </a:r>
+          </a:p>
+          <a:p>
+            <a:r>
+              <a:rPr lang="en-US">
+                <a:solidFill>
+                  <a:schemeClr val="tx1">
+                    <a:lumMod val="85000"/>
+                    <a:lumOff val="15000"/>
+                  </a:schemeClr>
+                </a:solidFill>
+              </a:rPr>
+              <a:t>Recharts is a way to use Reacts library to build out graphs.</a:t>
+            </a:r>
+          </a:p>
+          <a:p>
+            <a:r>
+              <a:rPr lang="en-US">
+                <a:solidFill>
+                  <a:schemeClr val="tx1">
+                    <a:lumMod val="85000"/>
+                    <a:lumOff val="15000"/>
+                  </a:schemeClr>
+                </a:solidFill>
+              </a:rPr>
+              <a:t>Material UI is a way to get fancy looking components like buttons, dropdown menus, and tables to use in your interface.</a:t>
+            </a:r>
+          </a:p>
+          <a:p>
+            <a:r>
+              <a:rPr lang="en-US">
+                <a:solidFill>
+                  <a:schemeClr val="tx1">
+                    <a:lumMod val="85000"/>
+                    <a:lumOff val="15000"/>
+                  </a:schemeClr>
+                </a:solidFill>
+              </a:rPr>
+              <a:t>Vitejs is a tool to begin React projects by generating the default files to use.</a:t>
             </a:r>
           </a:p>
         </p:txBody>
@@ -3978,7 +4466,7 @@
     </p:spTree>
     <p:extLst>
       <p:ext uri="{BB962C8B-B14F-4D97-AF65-F5344CB8AC3E}">
-        <p14:creationId xmlns:p14="http://schemas.microsoft.com/office/powerpoint/2010/main" val="18149961"/>
+        <p14:creationId xmlns:p14="http://schemas.microsoft.com/office/powerpoint/2010/main" val="262908803"/>
       </p:ext>
     </p:extLst>
   </p:cSld>
